--- a/PortfolioPlan3_yukiiwa.pptx
+++ b/PortfolioPlan3_yukiiwa.pptx
@@ -270,7 +270,7 @@
           <a:p>
             <a:fld id="{1C31BA53-0179-274A-A479-EBE517FDC1CE}" type="datetimeFigureOut">
               <a:rPr lang="en-JP" smtClean="0"/>
-              <a:t>2021/03/05</a:t>
+              <a:t>2021/03/10</a:t>
             </a:fld>
             <a:endParaRPr lang="en-JP"/>
           </a:p>
@@ -470,7 +470,7 @@
           <a:p>
             <a:fld id="{1C31BA53-0179-274A-A479-EBE517FDC1CE}" type="datetimeFigureOut">
               <a:rPr lang="en-JP" smtClean="0"/>
-              <a:t>2021/03/05</a:t>
+              <a:t>2021/03/10</a:t>
             </a:fld>
             <a:endParaRPr lang="en-JP"/>
           </a:p>
@@ -680,7 +680,7 @@
           <a:p>
             <a:fld id="{1C31BA53-0179-274A-A479-EBE517FDC1CE}" type="datetimeFigureOut">
               <a:rPr lang="en-JP" smtClean="0"/>
-              <a:t>2021/03/05</a:t>
+              <a:t>2021/03/10</a:t>
             </a:fld>
             <a:endParaRPr lang="en-JP"/>
           </a:p>
@@ -880,7 +880,7 @@
           <a:p>
             <a:fld id="{1C31BA53-0179-274A-A479-EBE517FDC1CE}" type="datetimeFigureOut">
               <a:rPr lang="en-JP" smtClean="0"/>
-              <a:t>2021/03/05</a:t>
+              <a:t>2021/03/10</a:t>
             </a:fld>
             <a:endParaRPr lang="en-JP"/>
           </a:p>
@@ -1156,7 +1156,7 @@
           <a:p>
             <a:fld id="{1C31BA53-0179-274A-A479-EBE517FDC1CE}" type="datetimeFigureOut">
               <a:rPr lang="en-JP" smtClean="0"/>
-              <a:t>2021/03/05</a:t>
+              <a:t>2021/03/10</a:t>
             </a:fld>
             <a:endParaRPr lang="en-JP"/>
           </a:p>
@@ -1424,7 +1424,7 @@
           <a:p>
             <a:fld id="{1C31BA53-0179-274A-A479-EBE517FDC1CE}" type="datetimeFigureOut">
               <a:rPr lang="en-JP" smtClean="0"/>
-              <a:t>2021/03/05</a:t>
+              <a:t>2021/03/10</a:t>
             </a:fld>
             <a:endParaRPr lang="en-JP"/>
           </a:p>
@@ -1839,7 +1839,7 @@
           <a:p>
             <a:fld id="{1C31BA53-0179-274A-A479-EBE517FDC1CE}" type="datetimeFigureOut">
               <a:rPr lang="en-JP" smtClean="0"/>
-              <a:t>2021/03/05</a:t>
+              <a:t>2021/03/10</a:t>
             </a:fld>
             <a:endParaRPr lang="en-JP"/>
           </a:p>
@@ -1981,7 +1981,7 @@
           <a:p>
             <a:fld id="{1C31BA53-0179-274A-A479-EBE517FDC1CE}" type="datetimeFigureOut">
               <a:rPr lang="en-JP" smtClean="0"/>
-              <a:t>2021/03/05</a:t>
+              <a:t>2021/03/10</a:t>
             </a:fld>
             <a:endParaRPr lang="en-JP"/>
           </a:p>
@@ -2094,7 +2094,7 @@
           <a:p>
             <a:fld id="{1C31BA53-0179-274A-A479-EBE517FDC1CE}" type="datetimeFigureOut">
               <a:rPr lang="en-JP" smtClean="0"/>
-              <a:t>2021/03/05</a:t>
+              <a:t>2021/03/10</a:t>
             </a:fld>
             <a:endParaRPr lang="en-JP"/>
           </a:p>
@@ -2407,7 +2407,7 @@
           <a:p>
             <a:fld id="{1C31BA53-0179-274A-A479-EBE517FDC1CE}" type="datetimeFigureOut">
               <a:rPr lang="en-JP" smtClean="0"/>
-              <a:t>2021/03/05</a:t>
+              <a:t>2021/03/10</a:t>
             </a:fld>
             <a:endParaRPr lang="en-JP"/>
           </a:p>
@@ -2696,7 +2696,7 @@
           <a:p>
             <a:fld id="{1C31BA53-0179-274A-A479-EBE517FDC1CE}" type="datetimeFigureOut">
               <a:rPr lang="en-JP" smtClean="0"/>
-              <a:t>2021/03/05</a:t>
+              <a:t>2021/03/10</a:t>
             </a:fld>
             <a:endParaRPr lang="en-JP"/>
           </a:p>
@@ -2939,7 +2939,7 @@
           <a:p>
             <a:fld id="{1C31BA53-0179-274A-A479-EBE517FDC1CE}" type="datetimeFigureOut">
               <a:rPr lang="en-JP" smtClean="0"/>
-              <a:t>2021/03/05</a:t>
+              <a:t>2021/03/10</a:t>
             </a:fld>
             <a:endParaRPr lang="en-JP"/>
           </a:p>
@@ -3419,13 +3419,14 @@
           </p:cNvPr>
           <p:cNvCxnSpPr>
             <a:cxnSpLocks/>
+            <a:endCxn id="31" idx="3"/>
           </p:cNvCxnSpPr>
           <p:nvPr/>
         </p:nvCxnSpPr>
         <p:spPr>
-          <a:xfrm>
-            <a:off x="2406576" y="3395988"/>
-            <a:ext cx="4894697" cy="267884"/>
+          <a:xfrm flipH="1">
+            <a:off x="3166890" y="3126356"/>
+            <a:ext cx="3887604" cy="664198"/>
           </a:xfrm>
           <a:prstGeom prst="straightConnector1">
             <a:avLst/>
@@ -3542,7 +3543,7 @@
         </p:nvSpPr>
         <p:spPr>
           <a:xfrm>
-            <a:off x="255787" y="3233971"/>
+            <a:off x="7192255" y="2473493"/>
             <a:ext cx="1697901" cy="369332"/>
           </a:xfrm>
           <a:prstGeom prst="rect">
@@ -3591,9 +3592,9 @@
           <p:nvPr/>
         </p:nvCxnSpPr>
         <p:spPr>
-          <a:xfrm>
-            <a:off x="1411979" y="1914819"/>
-            <a:ext cx="5581832" cy="455101"/>
+          <a:xfrm flipV="1">
+            <a:off x="1411979" y="1727953"/>
+            <a:ext cx="5500450" cy="186866"/>
           </a:xfrm>
           <a:prstGeom prst="straightConnector1">
             <a:avLst/>
@@ -3658,47 +3659,6 @@
           </a:p>
         </p:txBody>
       </p:sp>
-      <p:cxnSp>
-        <p:nvCxnSpPr>
-          <p:cNvPr id="12" name="Straight Arrow Connector 11">
-            <a:extLst>
-              <a:ext uri="{FF2B5EF4-FFF2-40B4-BE49-F238E27FC236}">
-                <a16:creationId xmlns:a16="http://schemas.microsoft.com/office/drawing/2014/main" id="{A2265E62-2740-6143-AABB-BC301C9FB271}"/>
-              </a:ext>
-            </a:extLst>
-          </p:cNvPr>
-          <p:cNvCxnSpPr>
-            <a:cxnSpLocks/>
-          </p:cNvCxnSpPr>
-          <p:nvPr/>
-        </p:nvCxnSpPr>
-        <p:spPr>
-          <a:xfrm flipV="1">
-            <a:off x="2023282" y="4123536"/>
-            <a:ext cx="5277991" cy="577911"/>
-          </a:xfrm>
-          <a:prstGeom prst="straightConnector1">
-            <a:avLst/>
-          </a:prstGeom>
-          <a:ln w="57150">
-            <a:tailEnd type="triangle"/>
-          </a:ln>
-        </p:spPr>
-        <p:style>
-          <a:lnRef idx="1">
-            <a:schemeClr val="accent1"/>
-          </a:lnRef>
-          <a:fillRef idx="0">
-            <a:schemeClr val="accent1"/>
-          </a:fillRef>
-          <a:effectRef idx="0">
-            <a:schemeClr val="accent1"/>
-          </a:effectRef>
-          <a:fontRef idx="minor">
-            <a:schemeClr val="tx1"/>
-          </a:fontRef>
-        </p:style>
-      </p:cxnSp>
       <p:sp>
         <p:nvSpPr>
           <p:cNvPr id="13" name="TextBox 12">
@@ -3713,7 +3673,7 @@
         </p:nvSpPr>
         <p:spPr>
           <a:xfrm>
-            <a:off x="273023" y="3858066"/>
+            <a:off x="7246685" y="2918547"/>
             <a:ext cx="1736373" cy="369332"/>
           </a:xfrm>
           <a:prstGeom prst="rect">
@@ -3862,8 +3822,8 @@
         </p:nvCxnSpPr>
         <p:spPr>
           <a:xfrm flipV="1">
-            <a:off x="2067051" y="2618572"/>
-            <a:ext cx="4745229" cy="1"/>
+            <a:off x="2067051" y="1992192"/>
+            <a:ext cx="4845378" cy="626382"/>
           </a:xfrm>
           <a:prstGeom prst="straightConnector1">
             <a:avLst/>
@@ -3902,9 +3862,9 @@
           <p:nvPr/>
         </p:nvCxnSpPr>
         <p:spPr>
-          <a:xfrm flipV="1">
-            <a:off x="2197083" y="3888362"/>
-            <a:ext cx="5104190" cy="230201"/>
+          <a:xfrm flipH="1">
+            <a:off x="3166890" y="3595819"/>
+            <a:ext cx="3623964" cy="693993"/>
           </a:xfrm>
           <a:prstGeom prst="straightConnector1">
             <a:avLst/>
@@ -3975,55 +3935,6 @@
       </p:sp>
       <p:sp>
         <p:nvSpPr>
-          <p:cNvPr id="27" name="Oval 26">
-            <a:extLst>
-              <a:ext uri="{FF2B5EF4-FFF2-40B4-BE49-F238E27FC236}">
-                <a16:creationId xmlns:a16="http://schemas.microsoft.com/office/drawing/2014/main" id="{C418A395-464E-464D-AC97-449C94F8E2AE}"/>
-              </a:ext>
-            </a:extLst>
-          </p:cNvPr>
-          <p:cNvSpPr/>
-          <p:nvPr/>
-        </p:nvSpPr>
-        <p:spPr>
-          <a:xfrm>
-            <a:off x="7110312" y="2101005"/>
-            <a:ext cx="2080479" cy="892591"/>
-          </a:xfrm>
-          <a:prstGeom prst="ellipse">
-            <a:avLst/>
-          </a:prstGeom>
-          <a:solidFill>
-            <a:schemeClr val="tx2"/>
-          </a:solidFill>
-        </p:spPr>
-        <p:style>
-          <a:lnRef idx="2">
-            <a:schemeClr val="accent1">
-              <a:shade val="50000"/>
-            </a:schemeClr>
-          </a:lnRef>
-          <a:fillRef idx="1">
-            <a:schemeClr val="accent1"/>
-          </a:fillRef>
-          <a:effectRef idx="0">
-            <a:schemeClr val="accent1"/>
-          </a:effectRef>
-          <a:fontRef idx="minor">
-            <a:schemeClr val="lt1"/>
-          </a:fontRef>
-        </p:style>
-        <p:txBody>
-          <a:bodyPr rtlCol="0" anchor="ctr"/>
-          <a:lstStyle/>
-          <a:p>
-            <a:pPr algn="ctr"/>
-            <a:endParaRPr lang="en-JP"/>
-          </a:p>
-        </p:txBody>
-      </p:sp>
-      <p:sp>
-        <p:nvSpPr>
           <p:cNvPr id="28" name="TextBox 27">
             <a:extLst>
               <a:ext uri="{FF2B5EF4-FFF2-40B4-BE49-F238E27FC236}">
@@ -4036,8 +3947,8 @@
         </p:nvSpPr>
         <p:spPr>
           <a:xfrm>
-            <a:off x="7435626" y="2362635"/>
-            <a:ext cx="1390124" cy="369332"/>
+            <a:off x="7029453" y="1439815"/>
+            <a:ext cx="1274708" cy="369332"/>
           </a:xfrm>
           <a:prstGeom prst="rect">
             <a:avLst/>
@@ -4058,66 +3969,17 @@
                 <a:latin typeface="Arial" panose="020B0604020202020204" pitchFamily="34" charset="0"/>
                 <a:cs typeface="Arial" panose="020B0604020202020204" pitchFamily="34" charset="0"/>
               </a:rPr>
-              <a:t>User Profile</a:t>
-            </a:r>
-          </a:p>
-        </p:txBody>
-      </p:sp>
-      <p:sp>
-        <p:nvSpPr>
-          <p:cNvPr id="29" name="Oval 28">
-            <a:extLst>
-              <a:ext uri="{FF2B5EF4-FFF2-40B4-BE49-F238E27FC236}">
-                <a16:creationId xmlns:a16="http://schemas.microsoft.com/office/drawing/2014/main" id="{FC628C98-E410-F94E-9C5D-DFC023F394C4}"/>
-              </a:ext>
-            </a:extLst>
-          </p:cNvPr>
-          <p:cNvSpPr/>
-          <p:nvPr/>
-        </p:nvSpPr>
-        <p:spPr>
-          <a:xfrm>
-            <a:off x="7414103" y="3197885"/>
-            <a:ext cx="2080479" cy="892591"/>
-          </a:xfrm>
-          <a:prstGeom prst="ellipse">
-            <a:avLst/>
-          </a:prstGeom>
-          <a:solidFill>
-            <a:schemeClr val="tx2"/>
-          </a:solidFill>
-        </p:spPr>
-        <p:style>
-          <a:lnRef idx="2">
-            <a:schemeClr val="accent1">
-              <a:shade val="50000"/>
-            </a:schemeClr>
-          </a:lnRef>
-          <a:fillRef idx="1">
-            <a:schemeClr val="accent1"/>
-          </a:fillRef>
-          <a:effectRef idx="0">
-            <a:schemeClr val="accent1"/>
-          </a:effectRef>
-          <a:fontRef idx="minor">
-            <a:schemeClr val="lt1"/>
-          </a:fontRef>
-        </p:style>
-        <p:txBody>
-          <a:bodyPr rtlCol="0" anchor="ctr"/>
-          <a:lstStyle/>
-          <a:p>
-            <a:pPr algn="ctr"/>
-            <a:endParaRPr lang="en-JP"/>
-          </a:p>
-        </p:txBody>
-      </p:sp>
-      <p:sp>
-        <p:nvSpPr>
-          <p:cNvPr id="30" name="TextBox 29">
-            <a:extLst>
-              <a:ext uri="{FF2B5EF4-FFF2-40B4-BE49-F238E27FC236}">
-                <a16:creationId xmlns:a16="http://schemas.microsoft.com/office/drawing/2014/main" id="{B76391BD-DEFD-BD41-95E9-1E84BC35735B}"/>
+              <a:t>User Page</a:t>
+            </a:r>
+          </a:p>
+        </p:txBody>
+      </p:sp>
+      <p:sp>
+        <p:nvSpPr>
+          <p:cNvPr id="31" name="TextBox 30">
+            <a:extLst>
+              <a:ext uri="{FF2B5EF4-FFF2-40B4-BE49-F238E27FC236}">
+                <a16:creationId xmlns:a16="http://schemas.microsoft.com/office/drawing/2014/main" id="{976E6685-CDF6-6A44-A67F-AADDD89A01D8}"/>
               </a:ext>
             </a:extLst>
           </p:cNvPr>
@@ -4126,48 +3988,7 @@
         </p:nvSpPr>
         <p:spPr>
           <a:xfrm>
-            <a:off x="8000774" y="3454354"/>
-            <a:ext cx="902811" cy="369332"/>
-          </a:xfrm>
-          <a:prstGeom prst="rect">
-            <a:avLst/>
-          </a:prstGeom>
-          <a:noFill/>
-        </p:spPr>
-        <p:txBody>
-          <a:bodyPr wrap="none" rtlCol="0">
-            <a:spAutoFit/>
-          </a:bodyPr>
-          <a:lstStyle/>
-          <a:p>
-            <a:r>
-              <a:rPr lang="en-JP" dirty="0">
-                <a:highlight>
-                  <a:srgbClr val="FFFF00"/>
-                </a:highlight>
-                <a:latin typeface="Arial" panose="020B0604020202020204" pitchFamily="34" charset="0"/>
-                <a:cs typeface="Arial" panose="020B0604020202020204" pitchFamily="34" charset="0"/>
-              </a:rPr>
-              <a:t>Project</a:t>
-            </a:r>
-          </a:p>
-        </p:txBody>
-      </p:sp>
-      <p:sp>
-        <p:nvSpPr>
-          <p:cNvPr id="31" name="TextBox 30">
-            <a:extLst>
-              <a:ext uri="{FF2B5EF4-FFF2-40B4-BE49-F238E27FC236}">
-                <a16:creationId xmlns:a16="http://schemas.microsoft.com/office/drawing/2014/main" id="{976E6685-CDF6-6A44-A67F-AADDD89A01D8}"/>
-              </a:ext>
-            </a:extLst>
-          </p:cNvPr>
-          <p:cNvSpPr txBox="1"/>
-          <p:nvPr/>
-        </p:nvSpPr>
-        <p:spPr>
-          <a:xfrm>
-            <a:off x="273023" y="4486862"/>
+            <a:off x="1109917" y="3605888"/>
             <a:ext cx="2056973" cy="369332"/>
           </a:xfrm>
           <a:prstGeom prst="rect">
@@ -4208,7 +4029,7 @@
         </p:nvSpPr>
         <p:spPr>
           <a:xfrm>
-            <a:off x="255787" y="4998079"/>
+            <a:off x="1301051" y="4136317"/>
             <a:ext cx="1851789" cy="369332"/>
           </a:xfrm>
           <a:prstGeom prst="rect">
@@ -4235,12 +4056,124 @@
           </a:p>
         </p:txBody>
       </p:sp>
+      <p:sp>
+        <p:nvSpPr>
+          <p:cNvPr id="37" name="TextBox 36">
+            <a:extLst>
+              <a:ext uri="{FF2B5EF4-FFF2-40B4-BE49-F238E27FC236}">
+                <a16:creationId xmlns:a16="http://schemas.microsoft.com/office/drawing/2014/main" id="{28E08796-8DFA-894F-99F0-BA4A32367CFB}"/>
+              </a:ext>
+            </a:extLst>
+          </p:cNvPr>
+          <p:cNvSpPr txBox="1"/>
+          <p:nvPr/>
+        </p:nvSpPr>
+        <p:spPr>
+          <a:xfrm>
+            <a:off x="5212066" y="6416750"/>
+            <a:ext cx="864339" cy="369332"/>
+          </a:xfrm>
+          <a:prstGeom prst="rect">
+            <a:avLst/>
+          </a:prstGeom>
+          <a:noFill/>
+        </p:spPr>
+        <p:txBody>
+          <a:bodyPr wrap="none" rtlCol="0">
+            <a:spAutoFit/>
+          </a:bodyPr>
+          <a:lstStyle/>
+          <a:p>
+            <a:r>
+              <a:rPr lang="en-JP" dirty="0">
+                <a:solidFill>
+                  <a:schemeClr val="bg1"/>
+                </a:solidFill>
+                <a:latin typeface="Arial" panose="020B0604020202020204" pitchFamily="34" charset="0"/>
+                <a:cs typeface="Arial" panose="020B0604020202020204" pitchFamily="34" charset="0"/>
+              </a:rPr>
+              <a:t>Owner</a:t>
+            </a:r>
+          </a:p>
+        </p:txBody>
+      </p:sp>
+      <p:pic>
+        <p:nvPicPr>
+          <p:cNvPr id="39" name="Picture 38">
+            <a:extLst>
+              <a:ext uri="{FF2B5EF4-FFF2-40B4-BE49-F238E27FC236}">
+                <a16:creationId xmlns:a16="http://schemas.microsoft.com/office/drawing/2014/main" id="{C91BE397-A73F-FC4F-90E7-14E24234D0B1}"/>
+              </a:ext>
+            </a:extLst>
+          </p:cNvPr>
+          <p:cNvPicPr>
+            <a:picLocks noChangeAspect="1"/>
+          </p:cNvPicPr>
+          <p:nvPr/>
+        </p:nvPicPr>
+        <p:blipFill>
+          <a:blip r:embed="rId2"/>
+          <a:stretch>
+            <a:fillRect/>
+          </a:stretch>
+        </p:blipFill>
+        <p:spPr>
+          <a:xfrm>
+            <a:off x="165456" y="705140"/>
+            <a:ext cx="944461" cy="944461"/>
+          </a:xfrm>
+          <a:prstGeom prst="rect">
+            <a:avLst/>
+          </a:prstGeom>
+        </p:spPr>
+      </p:pic>
+      <p:sp>
+        <p:nvSpPr>
+          <p:cNvPr id="18" name="TextBox 17">
+            <a:extLst>
+              <a:ext uri="{FF2B5EF4-FFF2-40B4-BE49-F238E27FC236}">
+                <a16:creationId xmlns:a16="http://schemas.microsoft.com/office/drawing/2014/main" id="{97DFD185-FE55-4747-8E7B-798F8EC8ED81}"/>
+              </a:ext>
+            </a:extLst>
+          </p:cNvPr>
+          <p:cNvSpPr txBox="1"/>
+          <p:nvPr/>
+        </p:nvSpPr>
+        <p:spPr>
+          <a:xfrm>
+            <a:off x="219943" y="1210773"/>
+            <a:ext cx="835485" cy="461665"/>
+          </a:xfrm>
+          <a:prstGeom prst="rect">
+            <a:avLst/>
+          </a:prstGeom>
+          <a:noFill/>
+        </p:spPr>
+        <p:txBody>
+          <a:bodyPr wrap="none" rtlCol="0">
+            <a:spAutoFit/>
+          </a:bodyPr>
+          <a:lstStyle/>
+          <a:p>
+            <a:r>
+              <a:rPr lang="en-JP" sz="2400" dirty="0">
+                <a:highlight>
+                  <a:srgbClr val="00FFFF"/>
+                </a:highlight>
+                <a:latin typeface="Arial" panose="020B0604020202020204" pitchFamily="34" charset="0"/>
+                <a:cs typeface="Arial" panose="020B0604020202020204" pitchFamily="34" charset="0"/>
+              </a:rPr>
+              <a:t>User</a:t>
+            </a:r>
+          </a:p>
+        </p:txBody>
+      </p:sp>
       <p:cxnSp>
         <p:nvCxnSpPr>
-          <p:cNvPr id="33" name="Straight Arrow Connector 32">
-            <a:extLst>
-              <a:ext uri="{FF2B5EF4-FFF2-40B4-BE49-F238E27FC236}">
-                <a16:creationId xmlns:a16="http://schemas.microsoft.com/office/drawing/2014/main" id="{F3867B9B-38D1-1848-81ED-A2C6E973465B}"/>
+          <p:cNvPr id="55" name="Straight Arrow Connector 54">
+            <a:extLst>
+              <a:ext uri="{FF2B5EF4-FFF2-40B4-BE49-F238E27FC236}">
+                <a16:creationId xmlns:a16="http://schemas.microsoft.com/office/drawing/2014/main" id="{29210F36-251F-194B-819B-29AAD3C5F139}"/>
               </a:ext>
             </a:extLst>
           </p:cNvPr>
@@ -4250,9 +4183,9 @@
           <p:nvPr/>
         </p:nvCxnSpPr>
         <p:spPr>
-          <a:xfrm flipV="1">
-            <a:off x="2376880" y="4294765"/>
-            <a:ext cx="5273600" cy="889486"/>
+          <a:xfrm>
+            <a:off x="8389617" y="4289812"/>
+            <a:ext cx="0" cy="960208"/>
           </a:xfrm>
           <a:prstGeom prst="straightConnector1">
             <a:avLst/>
@@ -4278,10 +4211,10 @@
       </p:cxnSp>
       <p:sp>
         <p:nvSpPr>
-          <p:cNvPr id="37" name="TextBox 36">
-            <a:extLst>
-              <a:ext uri="{FF2B5EF4-FFF2-40B4-BE49-F238E27FC236}">
-                <a16:creationId xmlns:a16="http://schemas.microsoft.com/office/drawing/2014/main" id="{28E08796-8DFA-894F-99F0-BA4A32367CFB}"/>
+          <p:cNvPr id="34" name="TextBox 33">
+            <a:extLst>
+              <a:ext uri="{FF2B5EF4-FFF2-40B4-BE49-F238E27FC236}">
+                <a16:creationId xmlns:a16="http://schemas.microsoft.com/office/drawing/2014/main" id="{6E7F06E2-ABAE-C441-AEF7-AA7531F317A7}"/>
               </a:ext>
             </a:extLst>
           </p:cNvPr>
@@ -4290,8 +4223,8 @@
         </p:nvSpPr>
         <p:spPr>
           <a:xfrm>
-            <a:off x="5212066" y="6416750"/>
-            <a:ext cx="864339" cy="369332"/>
+            <a:off x="7246685" y="2028946"/>
+            <a:ext cx="1851789" cy="369332"/>
           </a:xfrm>
           <a:prstGeom prst="rect">
             <a:avLst/>
@@ -4306,170 +4239,17 @@
           <a:p>
             <a:r>
               <a:rPr lang="en-JP" dirty="0">
-                <a:solidFill>
-                  <a:schemeClr val="bg1"/>
-                </a:solidFill>
-                <a:latin typeface="Arial" panose="020B0604020202020204" pitchFamily="34" charset="0"/>
-                <a:cs typeface="Arial" panose="020B0604020202020204" pitchFamily="34" charset="0"/>
-              </a:rPr>
-              <a:t>Owner</a:t>
-            </a:r>
-          </a:p>
-        </p:txBody>
-      </p:sp>
-      <p:pic>
-        <p:nvPicPr>
-          <p:cNvPr id="39" name="Picture 38">
-            <a:extLst>
-              <a:ext uri="{FF2B5EF4-FFF2-40B4-BE49-F238E27FC236}">
-                <a16:creationId xmlns:a16="http://schemas.microsoft.com/office/drawing/2014/main" id="{C91BE397-A73F-FC4F-90E7-14E24234D0B1}"/>
-              </a:ext>
-            </a:extLst>
-          </p:cNvPr>
-          <p:cNvPicPr>
-            <a:picLocks noChangeAspect="1"/>
-          </p:cNvPicPr>
-          <p:nvPr/>
-        </p:nvPicPr>
-        <p:blipFill>
-          <a:blip r:embed="rId2"/>
-          <a:stretch>
-            <a:fillRect/>
-          </a:stretch>
-        </p:blipFill>
-        <p:spPr>
-          <a:xfrm>
-            <a:off x="165456" y="705140"/>
-            <a:ext cx="944461" cy="944461"/>
-          </a:xfrm>
-          <a:prstGeom prst="rect">
-            <a:avLst/>
-          </a:prstGeom>
-        </p:spPr>
-      </p:pic>
-      <p:pic>
-        <p:nvPicPr>
-          <p:cNvPr id="42" name="Picture 41">
-            <a:extLst>
-              <a:ext uri="{FF2B5EF4-FFF2-40B4-BE49-F238E27FC236}">
-                <a16:creationId xmlns:a16="http://schemas.microsoft.com/office/drawing/2014/main" id="{59D29678-149F-5E4A-8EF7-FF45E94EB700}"/>
-              </a:ext>
-            </a:extLst>
-          </p:cNvPr>
-          <p:cNvPicPr>
-            <a:picLocks noChangeAspect="1"/>
-          </p:cNvPicPr>
-          <p:nvPr/>
-        </p:nvPicPr>
-        <p:blipFill>
-          <a:blip r:embed="rId3">
-            <a:clrChange>
-              <a:clrFrom>
-                <a:srgbClr val="FFFFFF"/>
-              </a:clrFrom>
-              <a:clrTo>
-                <a:srgbClr val="FFFFFF">
-                  <a:alpha val="0"/>
-                </a:srgbClr>
-              </a:clrTo>
-            </a:clrChange>
-          </a:blip>
-          <a:stretch>
-            <a:fillRect/>
-          </a:stretch>
-        </p:blipFill>
-        <p:spPr>
-          <a:xfrm>
-            <a:off x="6570481" y="1257281"/>
-            <a:ext cx="1527582" cy="771665"/>
-          </a:xfrm>
-          <a:prstGeom prst="rect">
-            <a:avLst/>
-          </a:prstGeom>
-        </p:spPr>
-      </p:pic>
-      <p:sp>
-        <p:nvSpPr>
-          <p:cNvPr id="18" name="TextBox 17">
-            <a:extLst>
-              <a:ext uri="{FF2B5EF4-FFF2-40B4-BE49-F238E27FC236}">
-                <a16:creationId xmlns:a16="http://schemas.microsoft.com/office/drawing/2014/main" id="{97DFD185-FE55-4747-8E7B-798F8EC8ED81}"/>
-              </a:ext>
-            </a:extLst>
-          </p:cNvPr>
-          <p:cNvSpPr txBox="1"/>
-          <p:nvPr/>
-        </p:nvSpPr>
-        <p:spPr>
-          <a:xfrm>
-            <a:off x="219943" y="1210773"/>
-            <a:ext cx="835485" cy="461665"/>
-          </a:xfrm>
-          <a:prstGeom prst="rect">
-            <a:avLst/>
-          </a:prstGeom>
-          <a:noFill/>
-        </p:spPr>
-        <p:txBody>
-          <a:bodyPr wrap="none" rtlCol="0">
-            <a:spAutoFit/>
-          </a:bodyPr>
-          <a:lstStyle/>
-          <a:p>
-            <a:r>
-              <a:rPr lang="en-JP" sz="2400" dirty="0">
                 <a:highlight>
-                  <a:srgbClr val="00FFFF"/>
+                  <a:srgbClr val="FFFF00"/>
                 </a:highlight>
                 <a:latin typeface="Arial" panose="020B0604020202020204" pitchFamily="34" charset="0"/>
                 <a:cs typeface="Arial" panose="020B0604020202020204" pitchFamily="34" charset="0"/>
               </a:rPr>
-              <a:t>User</a:t>
-            </a:r>
-          </a:p>
-        </p:txBody>
-      </p:sp>
-      <p:cxnSp>
-        <p:nvCxnSpPr>
-          <p:cNvPr id="55" name="Straight Arrow Connector 54">
-            <a:extLst>
-              <a:ext uri="{FF2B5EF4-FFF2-40B4-BE49-F238E27FC236}">
-                <a16:creationId xmlns:a16="http://schemas.microsoft.com/office/drawing/2014/main" id="{29210F36-251F-194B-819B-29AAD3C5F139}"/>
-              </a:ext>
-            </a:extLst>
-          </p:cNvPr>
-          <p:cNvCxnSpPr>
-            <a:cxnSpLocks/>
-          </p:cNvCxnSpPr>
-          <p:nvPr/>
-        </p:nvCxnSpPr>
-        <p:spPr>
-          <a:xfrm>
-            <a:off x="8389617" y="4289812"/>
-            <a:ext cx="0" cy="960208"/>
-          </a:xfrm>
-          <a:prstGeom prst="straightConnector1">
-            <a:avLst/>
-          </a:prstGeom>
-          <a:ln w="57150">
-            <a:tailEnd type="triangle"/>
-          </a:ln>
-        </p:spPr>
-        <p:style>
-          <a:lnRef idx="1">
-            <a:schemeClr val="accent1"/>
-          </a:lnRef>
-          <a:fillRef idx="0">
-            <a:schemeClr val="accent1"/>
-          </a:fillRef>
-          <a:effectRef idx="0">
-            <a:schemeClr val="accent1"/>
-          </a:effectRef>
-          <a:fontRef idx="minor">
-            <a:schemeClr val="tx1"/>
-          </a:fontRef>
-        </p:style>
-      </p:cxnSp>
+              <a:t>User Profile Edit</a:t>
+            </a:r>
+          </a:p>
+        </p:txBody>
+      </p:sp>
     </p:spTree>
     <p:extLst>
       <p:ext uri="{BB962C8B-B14F-4D97-AF65-F5344CB8AC3E}">
